--- a/Lecture_04.pptx
+++ b/Lecture_04.pptx
@@ -219,7 +219,7 @@
           <a:p>
             <a:fld id="{407EB27F-F7A5-4EE7-9665-AF3B530675F7}" type="datetimeFigureOut">
               <a:rPr lang="en-CA" smtClean="0"/>
-              <a:t>2019-09-14</a:t>
+              <a:t>2019-09-16</a:t>
             </a:fld>
             <a:endParaRPr lang="en-CA"/>
           </a:p>
@@ -618,7 +618,7 @@
           <a:p>
             <a:fld id="{F4C85923-65DE-4FF1-A4A0-9F51DB85B181}" type="datetimeFigureOut">
               <a:rPr lang="en-CA" smtClean="0"/>
-              <a:t>2019-09-14</a:t>
+              <a:t>2019-09-16</a:t>
             </a:fld>
             <a:endParaRPr lang="en-CA"/>
           </a:p>
@@ -788,7 +788,7 @@
           <a:p>
             <a:fld id="{F4C85923-65DE-4FF1-A4A0-9F51DB85B181}" type="datetimeFigureOut">
               <a:rPr lang="en-CA" smtClean="0"/>
-              <a:t>2019-09-14</a:t>
+              <a:t>2019-09-16</a:t>
             </a:fld>
             <a:endParaRPr lang="en-CA"/>
           </a:p>
@@ -968,7 +968,7 @@
           <a:p>
             <a:fld id="{F4C85923-65DE-4FF1-A4A0-9F51DB85B181}" type="datetimeFigureOut">
               <a:rPr lang="en-CA" smtClean="0"/>
-              <a:t>2019-09-14</a:t>
+              <a:t>2019-09-16</a:t>
             </a:fld>
             <a:endParaRPr lang="en-CA"/>
           </a:p>
@@ -1138,7 +1138,7 @@
           <a:p>
             <a:fld id="{F4C85923-65DE-4FF1-A4A0-9F51DB85B181}" type="datetimeFigureOut">
               <a:rPr lang="en-CA" smtClean="0"/>
-              <a:t>2019-09-14</a:t>
+              <a:t>2019-09-16</a:t>
             </a:fld>
             <a:endParaRPr lang="en-CA"/>
           </a:p>
@@ -1384,7 +1384,7 @@
           <a:p>
             <a:fld id="{F4C85923-65DE-4FF1-A4A0-9F51DB85B181}" type="datetimeFigureOut">
               <a:rPr lang="en-CA" smtClean="0"/>
-              <a:t>2019-09-14</a:t>
+              <a:t>2019-09-16</a:t>
             </a:fld>
             <a:endParaRPr lang="en-CA"/>
           </a:p>
@@ -1616,7 +1616,7 @@
           <a:p>
             <a:fld id="{F4C85923-65DE-4FF1-A4A0-9F51DB85B181}" type="datetimeFigureOut">
               <a:rPr lang="en-CA" smtClean="0"/>
-              <a:t>2019-09-14</a:t>
+              <a:t>2019-09-16</a:t>
             </a:fld>
             <a:endParaRPr lang="en-CA"/>
           </a:p>
@@ -1983,7 +1983,7 @@
           <a:p>
             <a:fld id="{F4C85923-65DE-4FF1-A4A0-9F51DB85B181}" type="datetimeFigureOut">
               <a:rPr lang="en-CA" smtClean="0"/>
-              <a:t>2019-09-14</a:t>
+              <a:t>2019-09-16</a:t>
             </a:fld>
             <a:endParaRPr lang="en-CA"/>
           </a:p>
@@ -2101,7 +2101,7 @@
           <a:p>
             <a:fld id="{F4C85923-65DE-4FF1-A4A0-9F51DB85B181}" type="datetimeFigureOut">
               <a:rPr lang="en-CA" smtClean="0"/>
-              <a:t>2019-09-14</a:t>
+              <a:t>2019-09-16</a:t>
             </a:fld>
             <a:endParaRPr lang="en-CA"/>
           </a:p>
@@ -2196,7 +2196,7 @@
           <a:p>
             <a:fld id="{F4C85923-65DE-4FF1-A4A0-9F51DB85B181}" type="datetimeFigureOut">
               <a:rPr lang="en-CA" smtClean="0"/>
-              <a:t>2019-09-14</a:t>
+              <a:t>2019-09-16</a:t>
             </a:fld>
             <a:endParaRPr lang="en-CA"/>
           </a:p>
@@ -2473,7 +2473,7 @@
           <a:p>
             <a:fld id="{F4C85923-65DE-4FF1-A4A0-9F51DB85B181}" type="datetimeFigureOut">
               <a:rPr lang="en-CA" smtClean="0"/>
-              <a:t>2019-09-14</a:t>
+              <a:t>2019-09-16</a:t>
             </a:fld>
             <a:endParaRPr lang="en-CA"/>
           </a:p>
@@ -2726,7 +2726,7 @@
           <a:p>
             <a:fld id="{F4C85923-65DE-4FF1-A4A0-9F51DB85B181}" type="datetimeFigureOut">
               <a:rPr lang="en-CA" smtClean="0"/>
-              <a:t>2019-09-14</a:t>
+              <a:t>2019-09-16</a:t>
             </a:fld>
             <a:endParaRPr lang="en-CA"/>
           </a:p>
@@ -2939,7 +2939,7 @@
           <a:p>
             <a:fld id="{F4C85923-65DE-4FF1-A4A0-9F51DB85B181}" type="datetimeFigureOut">
               <a:rPr lang="en-CA" smtClean="0"/>
-              <a:t>2019-09-14</a:t>
+              <a:t>2019-09-16</a:t>
             </a:fld>
             <a:endParaRPr lang="en-CA"/>
           </a:p>
@@ -5883,47 +5883,6 @@
           </a:p>
         </p:txBody>
       </p:sp>
-      <p:pic>
-        <p:nvPicPr>
-          <p:cNvPr id="3074" name="Picture 2" descr="Image result for commodus thumb"/>
-          <p:cNvPicPr>
-            <a:picLocks noChangeAspect="1" noChangeArrowheads="1"/>
-          </p:cNvPicPr>
-          <p:nvPr/>
-        </p:nvPicPr>
-        <p:blipFill>
-          <a:blip r:embed="rId2">
-            <a:extLst>
-              <a:ext uri="{28A0092B-C50C-407E-A947-70E740481C1C}">
-                <a14:useLocalDpi xmlns:a14="http://schemas.microsoft.com/office/drawing/2010/main" val="0"/>
-              </a:ext>
-            </a:extLst>
-          </a:blip>
-          <a:srcRect/>
-          <a:stretch>
-            <a:fillRect/>
-          </a:stretch>
-        </p:blipFill>
-        <p:spPr bwMode="auto">
-          <a:xfrm>
-            <a:off x="9536112" y="4987527"/>
-            <a:ext cx="2493962" cy="1870473"/>
-          </a:xfrm>
-          <a:prstGeom prst="rect">
-            <a:avLst/>
-          </a:prstGeom>
-          <a:noFill/>
-          <a:extLst>
-            <a:ext uri="{909E8E84-426E-40DD-AFC4-6F175D3DCCD1}">
-              <a14:hiddenFill xmlns:a14="http://schemas.microsoft.com/office/drawing/2010/main">
-                <a:solidFill>
-                  <a:srgbClr val="FFFFFF"/>
-                </a:solidFill>
-              </a14:hiddenFill>
-            </a:ext>
-          </a:extLst>
-        </p:spPr>
-      </p:pic>
     </p:spTree>
     <p:extLst>
       <p:ext uri="{BB962C8B-B14F-4D97-AF65-F5344CB8AC3E}">
@@ -6162,11 +6121,7 @@
             </a:r>
             <a:r>
               <a:rPr lang="en-CA" dirty="0" smtClean="0"/>
-              <a:t>, just </a:t>
-            </a:r>
-            <a:r>
-              <a:rPr lang="en-CA" dirty="0" smtClean="0"/>
-              <a:t>using </a:t>
+              <a:t>, just using </a:t>
             </a:r>
             <a:r>
               <a:rPr lang="en-CA" dirty="0" err="1" smtClean="0"/>
@@ -6192,11 +6147,7 @@
             </a:r>
             <a:r>
               <a:rPr lang="en-CA" dirty="0" err="1" smtClean="0"/>
-              <a:t>onRestoreInstance</a:t>
-            </a:r>
-            <a:r>
-              <a:rPr lang="en-CA" dirty="0" err="1" smtClean="0"/>
-              <a:t>State</a:t>
+              <a:t>onRestoreInstanceState</a:t>
             </a:r>
             <a:r>
               <a:rPr lang="en-CA" dirty="0" smtClean="0"/>
@@ -6217,8 +6168,14 @@
             </a:r>
             <a:r>
               <a:rPr lang="en-CA" dirty="0" smtClean="0"/>
-              <a:t> class to track the Tic Tac Toe board’s state</a:t>
-            </a:r>
+              <a:t> class to track the Tic Tac Toe board’s </a:t>
+            </a:r>
+            <a:r>
+              <a:rPr lang="en-CA" dirty="0" smtClean="0"/>
+              <a:t>state</a:t>
+            </a:r>
+          </a:p>
+          <a:p>
             <a:endParaRPr lang="en-CA" dirty="0"/>
           </a:p>
         </p:txBody>
@@ -6716,7 +6673,7 @@
         </p:blipFill>
         <p:spPr>
           <a:xfrm>
-            <a:off x="5560869" y="129598"/>
+            <a:off x="5541818" y="129598"/>
             <a:ext cx="6270914" cy="3367713"/>
           </a:xfrm>
           <a:prstGeom prst="rect">
